--- a/Avaliação Bacalhau.pptx
+++ b/Avaliação Bacalhau.pptx
@@ -6,11 +6,11 @@
   </p:sldMasterIdLst>
   <p:sldIdLst>
     <p:sldId id="256" r:id="rId2"/>
-    <p:sldId id="261" r:id="rId3"/>
-    <p:sldId id="257" r:id="rId4"/>
-    <p:sldId id="260" r:id="rId5"/>
-    <p:sldId id="259" r:id="rId6"/>
-    <p:sldId id="258" r:id="rId7"/>
+    <p:sldId id="258" r:id="rId3"/>
+    <p:sldId id="261" r:id="rId4"/>
+    <p:sldId id="257" r:id="rId5"/>
+    <p:sldId id="260" r:id="rId6"/>
+    <p:sldId id="259" r:id="rId7"/>
   </p:sldIdLst>
   <p:sldSz cx="12192000" cy="6858000"/>
   <p:notesSz cx="6858000" cy="9144000"/>
@@ -4788,10 +4788,10 @@
       </p:sp>
       <p:pic>
         <p:nvPicPr>
-          <p:cNvPr id="7" name="Imagem 6">
-            <a:extLst>
-              <a:ext uri="{FF2B5EF4-FFF2-40B4-BE49-F238E27FC236}">
-                <a16:creationId xmlns:a16="http://schemas.microsoft.com/office/drawing/2014/main" id="{6738584A-E71B-48B1-AE24-2148232FA99D}"/>
+          <p:cNvPr id="6" name="Imagem 5">
+            <a:extLst>
+              <a:ext uri="{FF2B5EF4-FFF2-40B4-BE49-F238E27FC236}">
+                <a16:creationId xmlns:a16="http://schemas.microsoft.com/office/drawing/2014/main" id="{F08CD693-6EFF-4DC2-831D-B7976CAA8EE6}"/>
               </a:ext>
             </a:extLst>
           </p:cNvPr>
@@ -4808,8 +4808,8 @@
         </p:blipFill>
         <p:spPr>
           <a:xfrm>
-            <a:off x="4570652" y="1939923"/>
-            <a:ext cx="6888181" cy="4257804"/>
+            <a:off x="521440" y="1712225"/>
+            <a:ext cx="11149120" cy="4075927"/>
           </a:xfrm>
           <a:prstGeom prst="rect">
             <a:avLst/>
@@ -4818,10 +4818,10 @@
       </p:pic>
       <p:sp>
         <p:nvSpPr>
-          <p:cNvPr id="12" name="CaixaDeTexto 11">
-            <a:extLst>
-              <a:ext uri="{FF2B5EF4-FFF2-40B4-BE49-F238E27FC236}">
-                <a16:creationId xmlns:a16="http://schemas.microsoft.com/office/drawing/2014/main" id="{2EC54AF8-E437-4179-903E-36E7FBB92EF8}"/>
+          <p:cNvPr id="7" name="CaixaDeTexto 6">
+            <a:extLst>
+              <a:ext uri="{FF2B5EF4-FFF2-40B4-BE49-F238E27FC236}">
+                <a16:creationId xmlns:a16="http://schemas.microsoft.com/office/drawing/2014/main" id="{BD120024-5485-45E9-9940-3678521D06DF}"/>
               </a:ext>
             </a:extLst>
           </p:cNvPr>
@@ -4830,8 +4830,8 @@
         </p:nvSpPr>
         <p:spPr>
           <a:xfrm>
-            <a:off x="3015049" y="910318"/>
-            <a:ext cx="5155001" cy="369332"/>
+            <a:off x="3583459" y="885182"/>
+            <a:ext cx="4170372" cy="369332"/>
           </a:xfrm>
           <a:prstGeom prst="rect">
             <a:avLst/>
@@ -4846,7 +4846,7 @@
           <a:p>
             <a:r>
               <a:rPr lang="pt-BR" dirty="0"/>
-              <a:t>Comando : CD ~(caminho da pasta do projeto)</a:t>
+              <a:t>Criando repositório no site do GitHub</a:t>
             </a:r>
           </a:p>
         </p:txBody>
@@ -4854,7 +4854,7 @@
     </p:spTree>
     <p:extLst>
       <p:ext uri="{BB962C8B-B14F-4D97-AF65-F5344CB8AC3E}">
-        <p14:creationId xmlns:p14="http://schemas.microsoft.com/office/powerpoint/2010/main" val="748959477"/>
+        <p14:creationId xmlns:p14="http://schemas.microsoft.com/office/powerpoint/2010/main" val="4270273385"/>
       </p:ext>
     </p:extLst>
   </p:cSld>
@@ -5228,47 +5228,12 @@
           </a:p>
         </p:txBody>
       </p:sp>
-      <p:sp>
-        <p:nvSpPr>
-          <p:cNvPr id="7" name="CaixaDeTexto 6">
-            <a:extLst>
-              <a:ext uri="{FF2B5EF4-FFF2-40B4-BE49-F238E27FC236}">
-                <a16:creationId xmlns:a16="http://schemas.microsoft.com/office/drawing/2014/main" id="{0329BD6B-4087-40F4-8ABA-F9FF44C4DE27}"/>
-              </a:ext>
-            </a:extLst>
-          </p:cNvPr>
-          <p:cNvSpPr txBox="1"/>
-          <p:nvPr/>
-        </p:nvSpPr>
-        <p:spPr>
-          <a:xfrm>
-            <a:off x="2092411" y="741405"/>
-            <a:ext cx="6993133" cy="369332"/>
-          </a:xfrm>
-          <a:prstGeom prst="rect">
-            <a:avLst/>
-          </a:prstGeom>
-          <a:noFill/>
-        </p:spPr>
-        <p:txBody>
-          <a:bodyPr wrap="none" rtlCol="0">
-            <a:spAutoFit/>
-          </a:bodyPr>
-          <a:lstStyle/>
-          <a:p>
-            <a:r>
-              <a:rPr lang="pt-BR" dirty="0"/>
-              <a:t>Comando : GIT INIT ( Inicializando a pasta como repositório GIT )</a:t>
-            </a:r>
-          </a:p>
-        </p:txBody>
-      </p:sp>
       <p:pic>
         <p:nvPicPr>
-          <p:cNvPr id="8" name="Imagem 7">
-            <a:extLst>
-              <a:ext uri="{FF2B5EF4-FFF2-40B4-BE49-F238E27FC236}">
-                <a16:creationId xmlns:a16="http://schemas.microsoft.com/office/drawing/2014/main" id="{A2C2FEFD-8F8C-405F-B3FB-2F5FA327BCD8}"/>
+          <p:cNvPr id="7" name="Imagem 6">
+            <a:extLst>
+              <a:ext uri="{FF2B5EF4-FFF2-40B4-BE49-F238E27FC236}">
+                <a16:creationId xmlns:a16="http://schemas.microsoft.com/office/drawing/2014/main" id="{6738584A-E71B-48B1-AE24-2148232FA99D}"/>
               </a:ext>
             </a:extLst>
           </p:cNvPr>
@@ -5285,18 +5250,53 @@
         </p:blipFill>
         <p:spPr>
           <a:xfrm>
-            <a:off x="3624997" y="1573811"/>
-            <a:ext cx="7718854" cy="5190010"/>
+            <a:off x="4570652" y="1939923"/>
+            <a:ext cx="6888181" cy="4257804"/>
           </a:xfrm>
           <a:prstGeom prst="rect">
             <a:avLst/>
           </a:prstGeom>
         </p:spPr>
       </p:pic>
+      <p:sp>
+        <p:nvSpPr>
+          <p:cNvPr id="12" name="CaixaDeTexto 11">
+            <a:extLst>
+              <a:ext uri="{FF2B5EF4-FFF2-40B4-BE49-F238E27FC236}">
+                <a16:creationId xmlns:a16="http://schemas.microsoft.com/office/drawing/2014/main" id="{2EC54AF8-E437-4179-903E-36E7FBB92EF8}"/>
+              </a:ext>
+            </a:extLst>
+          </p:cNvPr>
+          <p:cNvSpPr txBox="1"/>
+          <p:nvPr/>
+        </p:nvSpPr>
+        <p:spPr>
+          <a:xfrm>
+            <a:off x="3015049" y="910318"/>
+            <a:ext cx="5155001" cy="369332"/>
+          </a:xfrm>
+          <a:prstGeom prst="rect">
+            <a:avLst/>
+          </a:prstGeom>
+          <a:noFill/>
+        </p:spPr>
+        <p:txBody>
+          <a:bodyPr wrap="none" rtlCol="0">
+            <a:spAutoFit/>
+          </a:bodyPr>
+          <a:lstStyle/>
+          <a:p>
+            <a:r>
+              <a:rPr lang="pt-BR" dirty="0"/>
+              <a:t>Comando : CD ~(caminho da pasta do projeto)</a:t>
+            </a:r>
+          </a:p>
+        </p:txBody>
+      </p:sp>
     </p:spTree>
     <p:extLst>
       <p:ext uri="{BB962C8B-B14F-4D97-AF65-F5344CB8AC3E}">
-        <p14:creationId xmlns:p14="http://schemas.microsoft.com/office/powerpoint/2010/main" val="1253041399"/>
+        <p14:creationId xmlns:p14="http://schemas.microsoft.com/office/powerpoint/2010/main" val="748959477"/>
       </p:ext>
     </p:extLst>
   </p:cSld>
@@ -5670,12 +5670,47 @@
           </a:p>
         </p:txBody>
       </p:sp>
+      <p:sp>
+        <p:nvSpPr>
+          <p:cNvPr id="7" name="CaixaDeTexto 6">
+            <a:extLst>
+              <a:ext uri="{FF2B5EF4-FFF2-40B4-BE49-F238E27FC236}">
+                <a16:creationId xmlns:a16="http://schemas.microsoft.com/office/drawing/2014/main" id="{0329BD6B-4087-40F4-8ABA-F9FF44C4DE27}"/>
+              </a:ext>
+            </a:extLst>
+          </p:cNvPr>
+          <p:cNvSpPr txBox="1"/>
+          <p:nvPr/>
+        </p:nvSpPr>
+        <p:spPr>
+          <a:xfrm>
+            <a:off x="2092411" y="741405"/>
+            <a:ext cx="6993133" cy="369332"/>
+          </a:xfrm>
+          <a:prstGeom prst="rect">
+            <a:avLst/>
+          </a:prstGeom>
+          <a:noFill/>
+        </p:spPr>
+        <p:txBody>
+          <a:bodyPr wrap="none" rtlCol="0">
+            <a:spAutoFit/>
+          </a:bodyPr>
+          <a:lstStyle/>
+          <a:p>
+            <a:r>
+              <a:rPr lang="pt-BR" dirty="0"/>
+              <a:t>Comando : GIT INIT ( Inicializando a pasta como repositório GIT )</a:t>
+            </a:r>
+          </a:p>
+        </p:txBody>
+      </p:sp>
       <p:pic>
         <p:nvPicPr>
-          <p:cNvPr id="6" name="Imagem 5">
-            <a:extLst>
-              <a:ext uri="{FF2B5EF4-FFF2-40B4-BE49-F238E27FC236}">
-                <a16:creationId xmlns:a16="http://schemas.microsoft.com/office/drawing/2014/main" id="{D9E18316-CF82-4325-B832-6B0E0E48699F}"/>
+          <p:cNvPr id="8" name="Imagem 7">
+            <a:extLst>
+              <a:ext uri="{FF2B5EF4-FFF2-40B4-BE49-F238E27FC236}">
+                <a16:creationId xmlns:a16="http://schemas.microsoft.com/office/drawing/2014/main" id="{A2C2FEFD-8F8C-405F-B3FB-2F5FA327BCD8}"/>
               </a:ext>
             </a:extLst>
           </p:cNvPr>
@@ -5692,53 +5727,18 @@
         </p:blipFill>
         <p:spPr>
           <a:xfrm>
-            <a:off x="4408683" y="3145174"/>
-            <a:ext cx="6935168" cy="1409897"/>
+            <a:off x="3624997" y="1573811"/>
+            <a:ext cx="7718854" cy="5190010"/>
           </a:xfrm>
           <a:prstGeom prst="rect">
             <a:avLst/>
           </a:prstGeom>
         </p:spPr>
       </p:pic>
-      <p:sp>
-        <p:nvSpPr>
-          <p:cNvPr id="7" name="CaixaDeTexto 6">
-            <a:extLst>
-              <a:ext uri="{FF2B5EF4-FFF2-40B4-BE49-F238E27FC236}">
-                <a16:creationId xmlns:a16="http://schemas.microsoft.com/office/drawing/2014/main" id="{446F6010-C228-4A91-9AE3-837353E50423}"/>
-              </a:ext>
-            </a:extLst>
-          </p:cNvPr>
-          <p:cNvSpPr txBox="1"/>
-          <p:nvPr/>
-        </p:nvSpPr>
-        <p:spPr>
-          <a:xfrm>
-            <a:off x="4118919" y="1005016"/>
-            <a:ext cx="3374322" cy="369332"/>
-          </a:xfrm>
-          <a:prstGeom prst="rect">
-            <a:avLst/>
-          </a:prstGeom>
-          <a:noFill/>
-        </p:spPr>
-        <p:txBody>
-          <a:bodyPr wrap="none" rtlCol="0">
-            <a:spAutoFit/>
-          </a:bodyPr>
-          <a:lstStyle/>
-          <a:p>
-            <a:r>
-              <a:rPr lang="pt-BR" dirty="0"/>
-              <a:t>Criando Arquivo README.MD</a:t>
-            </a:r>
-          </a:p>
-        </p:txBody>
-      </p:sp>
     </p:spTree>
     <p:extLst>
       <p:ext uri="{BB962C8B-B14F-4D97-AF65-F5344CB8AC3E}">
-        <p14:creationId xmlns:p14="http://schemas.microsoft.com/office/powerpoint/2010/main" val="407872987"/>
+        <p14:creationId xmlns:p14="http://schemas.microsoft.com/office/powerpoint/2010/main" val="1253041399"/>
       </p:ext>
     </p:extLst>
   </p:cSld>
@@ -5836,105 +5836,6 @@
           </a:p>
         </p:txBody>
       </p:sp>
-      <p:sp>
-        <p:nvSpPr>
-          <p:cNvPr id="3" name="Subtítulo 2">
-            <a:extLst>
-              <a:ext uri="{FF2B5EF4-FFF2-40B4-BE49-F238E27FC236}">
-                <a16:creationId xmlns:a16="http://schemas.microsoft.com/office/drawing/2014/main" id="{439D6F15-DD56-4725-A816-4E2E450E1BF8}"/>
-              </a:ext>
-            </a:extLst>
-          </p:cNvPr>
-          <p:cNvSpPr>
-            <a:spLocks noGrp="1"/>
-          </p:cNvSpPr>
-          <p:nvPr>
-            <p:ph type="subTitle" idx="1"/>
-          </p:nvPr>
-        </p:nvSpPr>
-        <p:spPr>
-          <a:xfrm>
-            <a:off x="5978915" y="4876803"/>
-            <a:ext cx="5364936" cy="909848"/>
-          </a:xfrm>
-        </p:spPr>
-        <p:txBody>
-          <a:bodyPr anchor="t">
-            <a:normAutofit/>
-          </a:bodyPr>
-          <a:lstStyle/>
-          <a:p>
-            <a:pPr algn="ctr"/>
-            <a:r>
-              <a:rPr lang="pt-BR" dirty="0"/>
-              <a:t>Arlisson Jesus Barbosa Menacho</a:t>
-            </a:r>
-          </a:p>
-        </p:txBody>
-      </p:sp>
-      <p:pic>
-        <p:nvPicPr>
-          <p:cNvPr id="15" name="Picture 1" descr="Imagem ampla das luzes da cidade e edifícios altos durante a noite">
-            <a:extLst>
-              <a:ext uri="{FF2B5EF4-FFF2-40B4-BE49-F238E27FC236}">
-                <a16:creationId xmlns:a16="http://schemas.microsoft.com/office/drawing/2014/main" id="{F5705A2E-1361-4E2E-ADBA-C147C5F987A5}"/>
-              </a:ext>
-            </a:extLst>
-          </p:cNvPr>
-          <p:cNvPicPr>
-            <a:picLocks noChangeAspect="1"/>
-          </p:cNvPicPr>
-          <p:nvPr/>
-        </p:nvPicPr>
-        <p:blipFill rotWithShape="1">
-          <a:blip r:embed="rId2"/>
-          <a:srcRect l="33607" r="15633" b="-1"/>
-          <a:stretch/>
-        </p:blipFill>
-        <p:spPr>
-          <a:xfrm>
-            <a:off x="1" y="10"/>
-            <a:ext cx="5215066" cy="6857990"/>
-          </a:xfrm>
-          <a:custGeom>
-            <a:avLst/>
-            <a:gdLst/>
-            <a:ahLst/>
-            <a:cxnLst/>
-            <a:rect l="l" t="t" r="r" b="b"/>
-            <a:pathLst>
-              <a:path w="5215066" h="6845983">
-                <a:moveTo>
-                  <a:pt x="0" y="0"/>
-                </a:moveTo>
-                <a:lnTo>
-                  <a:pt x="3197713" y="0"/>
-                </a:lnTo>
-                <a:lnTo>
-                  <a:pt x="3259787" y="39795"/>
-                </a:lnTo>
-                <a:cubicBezTo>
-                  <a:pt x="4439462" y="836768"/>
-                  <a:pt x="5215066" y="2186425"/>
-                  <a:pt x="5215066" y="3717234"/>
-                </a:cubicBezTo>
-                <a:cubicBezTo>
-                  <a:pt x="5215066" y="4788800"/>
-                  <a:pt x="4835020" y="5771602"/>
-                  <a:pt x="4202364" y="6538204"/>
-                </a:cubicBezTo>
-                <a:lnTo>
-                  <a:pt x="3922635" y="6845983"/>
-                </a:lnTo>
-                <a:lnTo>
-                  <a:pt x="0" y="6845983"/>
-                </a:lnTo>
-                <a:close/>
-              </a:path>
-            </a:pathLst>
-          </a:custGeom>
-        </p:spPr>
-      </p:pic>
       <p:cxnSp>
         <p:nvCxnSpPr>
           <p:cNvPr id="16" name="Straight Connector 9">
@@ -6211,12 +6112,42 @@
           </a:p>
         </p:txBody>
       </p:sp>
-      <p:sp>
-        <p:nvSpPr>
-          <p:cNvPr id="4" name="CaixaDeTexto 3">
-            <a:extLst>
-              <a:ext uri="{FF2B5EF4-FFF2-40B4-BE49-F238E27FC236}">
-                <a16:creationId xmlns:a16="http://schemas.microsoft.com/office/drawing/2014/main" id="{0F948094-7034-4252-BE82-2B7543C00D1E}"/>
+      <p:pic>
+        <p:nvPicPr>
+          <p:cNvPr id="6" name="Imagem 5">
+            <a:extLst>
+              <a:ext uri="{FF2B5EF4-FFF2-40B4-BE49-F238E27FC236}">
+                <a16:creationId xmlns:a16="http://schemas.microsoft.com/office/drawing/2014/main" id="{D9E18316-CF82-4325-B832-6B0E0E48699F}"/>
+              </a:ext>
+            </a:extLst>
+          </p:cNvPr>
+          <p:cNvPicPr>
+            <a:picLocks noChangeAspect="1"/>
+          </p:cNvPicPr>
+          <p:nvPr/>
+        </p:nvPicPr>
+        <p:blipFill>
+          <a:blip r:embed="rId2"/>
+          <a:stretch>
+            <a:fillRect/>
+          </a:stretch>
+        </p:blipFill>
+        <p:spPr>
+          <a:xfrm>
+            <a:off x="4408683" y="3145174"/>
+            <a:ext cx="6935168" cy="1409897"/>
+          </a:xfrm>
+          <a:prstGeom prst="rect">
+            <a:avLst/>
+          </a:prstGeom>
+        </p:spPr>
+      </p:pic>
+      <p:sp>
+        <p:nvSpPr>
+          <p:cNvPr id="7" name="CaixaDeTexto 6">
+            <a:extLst>
+              <a:ext uri="{FF2B5EF4-FFF2-40B4-BE49-F238E27FC236}">
+                <a16:creationId xmlns:a16="http://schemas.microsoft.com/office/drawing/2014/main" id="{446F6010-C228-4A91-9AE3-837353E50423}"/>
               </a:ext>
             </a:extLst>
           </p:cNvPr>
@@ -6225,8 +6156,8 @@
         </p:nvSpPr>
         <p:spPr>
           <a:xfrm>
-            <a:off x="5697526" y="4048674"/>
-            <a:ext cx="5927713" cy="369332"/>
+            <a:off x="4118919" y="1005016"/>
+            <a:ext cx="3374322" cy="369332"/>
           </a:xfrm>
           <a:prstGeom prst="rect">
             <a:avLst/>
@@ -6241,7 +6172,7 @@
           <a:p>
             <a:r>
               <a:rPr lang="pt-BR" dirty="0"/>
-              <a:t>Avaliação Oficial Gerência e Configuração de Software</a:t>
+              <a:t>Criando Arquivo README.MD</a:t>
             </a:r>
           </a:p>
         </p:txBody>
@@ -6249,7 +6180,7 @@
     </p:spTree>
     <p:extLst>
       <p:ext uri="{BB962C8B-B14F-4D97-AF65-F5344CB8AC3E}">
-        <p14:creationId xmlns:p14="http://schemas.microsoft.com/office/powerpoint/2010/main" val="1199450389"/>
+        <p14:creationId xmlns:p14="http://schemas.microsoft.com/office/powerpoint/2010/main" val="407872987"/>
       </p:ext>
     </p:extLst>
   </p:cSld>
@@ -6347,105 +6278,6 @@
           </a:p>
         </p:txBody>
       </p:sp>
-      <p:sp>
-        <p:nvSpPr>
-          <p:cNvPr id="3" name="Subtítulo 2">
-            <a:extLst>
-              <a:ext uri="{FF2B5EF4-FFF2-40B4-BE49-F238E27FC236}">
-                <a16:creationId xmlns:a16="http://schemas.microsoft.com/office/drawing/2014/main" id="{439D6F15-DD56-4725-A816-4E2E450E1BF8}"/>
-              </a:ext>
-            </a:extLst>
-          </p:cNvPr>
-          <p:cNvSpPr>
-            <a:spLocks noGrp="1"/>
-          </p:cNvSpPr>
-          <p:nvPr>
-            <p:ph type="subTitle" idx="1"/>
-          </p:nvPr>
-        </p:nvSpPr>
-        <p:spPr>
-          <a:xfrm>
-            <a:off x="5978915" y="4876803"/>
-            <a:ext cx="5364936" cy="909848"/>
-          </a:xfrm>
-        </p:spPr>
-        <p:txBody>
-          <a:bodyPr anchor="t">
-            <a:normAutofit/>
-          </a:bodyPr>
-          <a:lstStyle/>
-          <a:p>
-            <a:pPr algn="ctr"/>
-            <a:r>
-              <a:rPr lang="pt-BR" dirty="0"/>
-              <a:t>Arlisson Jesus Barbosa Menacho</a:t>
-            </a:r>
-          </a:p>
-        </p:txBody>
-      </p:sp>
-      <p:pic>
-        <p:nvPicPr>
-          <p:cNvPr id="15" name="Picture 1" descr="Imagem ampla das luzes da cidade e edifícios altos durante a noite">
-            <a:extLst>
-              <a:ext uri="{FF2B5EF4-FFF2-40B4-BE49-F238E27FC236}">
-                <a16:creationId xmlns:a16="http://schemas.microsoft.com/office/drawing/2014/main" id="{F5705A2E-1361-4E2E-ADBA-C147C5F987A5}"/>
-              </a:ext>
-            </a:extLst>
-          </p:cNvPr>
-          <p:cNvPicPr>
-            <a:picLocks noChangeAspect="1"/>
-          </p:cNvPicPr>
-          <p:nvPr/>
-        </p:nvPicPr>
-        <p:blipFill rotWithShape="1">
-          <a:blip r:embed="rId2"/>
-          <a:srcRect l="33607" r="15633" b="-1"/>
-          <a:stretch/>
-        </p:blipFill>
-        <p:spPr>
-          <a:xfrm>
-            <a:off x="1" y="10"/>
-            <a:ext cx="5215066" cy="6857990"/>
-          </a:xfrm>
-          <a:custGeom>
-            <a:avLst/>
-            <a:gdLst/>
-            <a:ahLst/>
-            <a:cxnLst/>
-            <a:rect l="l" t="t" r="r" b="b"/>
-            <a:pathLst>
-              <a:path w="5215066" h="6845983">
-                <a:moveTo>
-                  <a:pt x="0" y="0"/>
-                </a:moveTo>
-                <a:lnTo>
-                  <a:pt x="3197713" y="0"/>
-                </a:lnTo>
-                <a:lnTo>
-                  <a:pt x="3259787" y="39795"/>
-                </a:lnTo>
-                <a:cubicBezTo>
-                  <a:pt x="4439462" y="836768"/>
-                  <a:pt x="5215066" y="2186425"/>
-                  <a:pt x="5215066" y="3717234"/>
-                </a:cubicBezTo>
-                <a:cubicBezTo>
-                  <a:pt x="5215066" y="4788800"/>
-                  <a:pt x="4835020" y="5771602"/>
-                  <a:pt x="4202364" y="6538204"/>
-                </a:cubicBezTo>
-                <a:lnTo>
-                  <a:pt x="3922635" y="6845983"/>
-                </a:lnTo>
-                <a:lnTo>
-                  <a:pt x="0" y="6845983"/>
-                </a:lnTo>
-                <a:close/>
-              </a:path>
-            </a:pathLst>
-          </a:custGeom>
-        </p:spPr>
-      </p:pic>
       <p:cxnSp>
         <p:nvCxnSpPr>
           <p:cNvPr id="16" name="Straight Connector 9">
@@ -6722,12 +6554,42 @@
           </a:p>
         </p:txBody>
       </p:sp>
-      <p:sp>
-        <p:nvSpPr>
-          <p:cNvPr id="4" name="CaixaDeTexto 3">
-            <a:extLst>
-              <a:ext uri="{FF2B5EF4-FFF2-40B4-BE49-F238E27FC236}">
-                <a16:creationId xmlns:a16="http://schemas.microsoft.com/office/drawing/2014/main" id="{0F948094-7034-4252-BE82-2B7543C00D1E}"/>
+      <p:pic>
+        <p:nvPicPr>
+          <p:cNvPr id="6" name="Imagem 5">
+            <a:extLst>
+              <a:ext uri="{FF2B5EF4-FFF2-40B4-BE49-F238E27FC236}">
+                <a16:creationId xmlns:a16="http://schemas.microsoft.com/office/drawing/2014/main" id="{45F13391-3EC3-49A0-82D9-EF87AF85BAB0}"/>
+              </a:ext>
+            </a:extLst>
+          </p:cNvPr>
+          <p:cNvPicPr>
+            <a:picLocks noChangeAspect="1"/>
+          </p:cNvPicPr>
+          <p:nvPr/>
+        </p:nvPicPr>
+        <p:blipFill>
+          <a:blip r:embed="rId2"/>
+          <a:stretch>
+            <a:fillRect/>
+          </a:stretch>
+        </p:blipFill>
+        <p:spPr>
+          <a:xfrm>
+            <a:off x="4362026" y="2583396"/>
+            <a:ext cx="6981825" cy="1971675"/>
+          </a:xfrm>
+          <a:prstGeom prst="rect">
+            <a:avLst/>
+          </a:prstGeom>
+        </p:spPr>
+      </p:pic>
+      <p:sp>
+        <p:nvSpPr>
+          <p:cNvPr id="7" name="CaixaDeTexto 6">
+            <a:extLst>
+              <a:ext uri="{FF2B5EF4-FFF2-40B4-BE49-F238E27FC236}">
+                <a16:creationId xmlns:a16="http://schemas.microsoft.com/office/drawing/2014/main" id="{6228B72A-3B30-4786-B0CC-27D8BB0AEFC8}"/>
               </a:ext>
             </a:extLst>
           </p:cNvPr>
@@ -6736,8 +6598,8 @@
         </p:nvSpPr>
         <p:spPr>
           <a:xfrm>
-            <a:off x="5697526" y="4048674"/>
-            <a:ext cx="5927713" cy="369332"/>
+            <a:off x="3393989" y="1228227"/>
+            <a:ext cx="4910768" cy="369332"/>
           </a:xfrm>
           <a:prstGeom prst="rect">
             <a:avLst/>
@@ -6752,7 +6614,7 @@
           <a:p>
             <a:r>
               <a:rPr lang="pt-BR" dirty="0"/>
-              <a:t>Avaliação Oficial Gerência e Configuração de Software</a:t>
+              <a:t>Copiando arquivos para pasta do repositório</a:t>
             </a:r>
           </a:p>
         </p:txBody>
@@ -6760,7 +6622,7 @@
     </p:spTree>
     <p:extLst>
       <p:ext uri="{BB962C8B-B14F-4D97-AF65-F5344CB8AC3E}">
-        <p14:creationId xmlns:p14="http://schemas.microsoft.com/office/powerpoint/2010/main" val="4270273385"/>
+        <p14:creationId xmlns:p14="http://schemas.microsoft.com/office/powerpoint/2010/main" val="1199450389"/>
       </p:ext>
     </p:extLst>
   </p:cSld>
